--- a/2025_SMDM/admin/Instructions.pptx
+++ b/2025_SMDM/admin/Instructions.pptx
@@ -259,7 +259,7 @@
           <a:p>
             <a:fld id="{1F06E6B4-D2D1-8340-BB5C-DBF76C96EA3F}" type="datetimeFigureOut">
               <a:rPr lang="en-US" smtClean="0"/>
-              <a:t>10/31/24</a:t>
+              <a:t>6/14/25</a:t>
             </a:fld>
             <a:endParaRPr lang="en-US"/>
           </a:p>
@@ -457,7 +457,7 @@
           <a:p>
             <a:fld id="{1F06E6B4-D2D1-8340-BB5C-DBF76C96EA3F}" type="datetimeFigureOut">
               <a:rPr lang="en-US" smtClean="0"/>
-              <a:t>10/31/24</a:t>
+              <a:t>6/14/25</a:t>
             </a:fld>
             <a:endParaRPr lang="en-US"/>
           </a:p>
@@ -665,7 +665,7 @@
           <a:p>
             <a:fld id="{1F06E6B4-D2D1-8340-BB5C-DBF76C96EA3F}" type="datetimeFigureOut">
               <a:rPr lang="en-US" smtClean="0"/>
-              <a:t>10/31/24</a:t>
+              <a:t>6/14/25</a:t>
             </a:fld>
             <a:endParaRPr lang="en-US"/>
           </a:p>
@@ -863,7 +863,7 @@
           <a:p>
             <a:fld id="{1F06E6B4-D2D1-8340-BB5C-DBF76C96EA3F}" type="datetimeFigureOut">
               <a:rPr lang="en-US" smtClean="0"/>
-              <a:t>10/31/24</a:t>
+              <a:t>6/14/25</a:t>
             </a:fld>
             <a:endParaRPr lang="en-US"/>
           </a:p>
@@ -1138,7 +1138,7 @@
           <a:p>
             <a:fld id="{1F06E6B4-D2D1-8340-BB5C-DBF76C96EA3F}" type="datetimeFigureOut">
               <a:rPr lang="en-US" smtClean="0"/>
-              <a:t>10/31/24</a:t>
+              <a:t>6/14/25</a:t>
             </a:fld>
             <a:endParaRPr lang="en-US"/>
           </a:p>
@@ -1403,7 +1403,7 @@
           <a:p>
             <a:fld id="{1F06E6B4-D2D1-8340-BB5C-DBF76C96EA3F}" type="datetimeFigureOut">
               <a:rPr lang="en-US" smtClean="0"/>
-              <a:t>10/31/24</a:t>
+              <a:t>6/14/25</a:t>
             </a:fld>
             <a:endParaRPr lang="en-US"/>
           </a:p>
@@ -1815,7 +1815,7 @@
           <a:p>
             <a:fld id="{1F06E6B4-D2D1-8340-BB5C-DBF76C96EA3F}" type="datetimeFigureOut">
               <a:rPr lang="en-US" smtClean="0"/>
-              <a:t>10/31/24</a:t>
+              <a:t>6/14/25</a:t>
             </a:fld>
             <a:endParaRPr lang="en-US"/>
           </a:p>
@@ -1956,7 +1956,7 @@
           <a:p>
             <a:fld id="{1F06E6B4-D2D1-8340-BB5C-DBF76C96EA3F}" type="datetimeFigureOut">
               <a:rPr lang="en-US" smtClean="0"/>
-              <a:t>10/31/24</a:t>
+              <a:t>6/14/25</a:t>
             </a:fld>
             <a:endParaRPr lang="en-US"/>
           </a:p>
@@ -2069,7 +2069,7 @@
           <a:p>
             <a:fld id="{1F06E6B4-D2D1-8340-BB5C-DBF76C96EA3F}" type="datetimeFigureOut">
               <a:rPr lang="en-US" smtClean="0"/>
-              <a:t>10/31/24</a:t>
+              <a:t>6/14/25</a:t>
             </a:fld>
             <a:endParaRPr lang="en-US"/>
           </a:p>
@@ -2380,7 +2380,7 @@
           <a:p>
             <a:fld id="{1F06E6B4-D2D1-8340-BB5C-DBF76C96EA3F}" type="datetimeFigureOut">
               <a:rPr lang="en-US" smtClean="0"/>
-              <a:t>10/31/24</a:t>
+              <a:t>6/14/25</a:t>
             </a:fld>
             <a:endParaRPr lang="en-US"/>
           </a:p>
@@ -2668,7 +2668,7 @@
           <a:p>
             <a:fld id="{1F06E6B4-D2D1-8340-BB5C-DBF76C96EA3F}" type="datetimeFigureOut">
               <a:rPr lang="en-US" smtClean="0"/>
-              <a:t>10/31/24</a:t>
+              <a:t>6/14/25</a:t>
             </a:fld>
             <a:endParaRPr lang="en-US"/>
           </a:p>
@@ -2909,7 +2909,7 @@
           <a:p>
             <a:fld id="{1F06E6B4-D2D1-8340-BB5C-DBF76C96EA3F}" type="datetimeFigureOut">
               <a:rPr lang="en-US" smtClean="0"/>
-              <a:t>10/31/24</a:t>
+              <a:t>6/14/25</a:t>
             </a:fld>
             <a:endParaRPr lang="en-US"/>
           </a:p>
@@ -3328,10 +3328,10 @@
       </p:grpSpPr>
       <p:pic>
         <p:nvPicPr>
-          <p:cNvPr id="4" name="Picture 3">
-            <a:extLst>
-              <a:ext uri="{FF2B5EF4-FFF2-40B4-BE49-F238E27FC236}">
-                <a16:creationId xmlns:a16="http://schemas.microsoft.com/office/drawing/2014/main" id="{36EAC21E-D8B3-6D43-9075-A480DF2F177F}"/>
+          <p:cNvPr id="2" name="Picture 1">
+            <a:extLst>
+              <a:ext uri="{FF2B5EF4-FFF2-40B4-BE49-F238E27FC236}">
+                <a16:creationId xmlns:a16="http://schemas.microsoft.com/office/drawing/2014/main" id="{F06778C1-2CA3-D662-BBAF-5730A8F33991}"/>
               </a:ext>
             </a:extLst>
           </p:cNvPr>
@@ -3348,8 +3348,8 @@
         </p:blipFill>
         <p:spPr>
           <a:xfrm>
-            <a:off x="1127067" y="0"/>
-            <a:ext cx="9937865" cy="6858000"/>
+            <a:off x="1673040" y="1"/>
+            <a:ext cx="8721812" cy="6761782"/>
           </a:xfrm>
           <a:prstGeom prst="rect">
             <a:avLst/>
@@ -3370,7 +3370,7 @@
         </p:nvGrpSpPr>
         <p:grpSpPr>
           <a:xfrm>
-            <a:off x="136467" y="1652954"/>
+            <a:off x="470101" y="2171941"/>
             <a:ext cx="3187025" cy="1752095"/>
             <a:chOff x="136467" y="1652954"/>
             <a:chExt cx="3187025" cy="1752095"/>
@@ -3531,7 +3531,7 @@
         </p:nvGrpSpPr>
         <p:grpSpPr>
           <a:xfrm>
-            <a:off x="8337452" y="2692400"/>
+            <a:off x="7979104" y="2692400"/>
             <a:ext cx="2434012" cy="1911057"/>
             <a:chOff x="1266092" y="172720"/>
             <a:chExt cx="2434012" cy="1911057"/>
